--- a/app/geoserver/geoserver_data/workspaces/cite/styles/moblitystations/mobility_stations_icons.pptx
+++ b/app/geoserver/geoserver_data/workspaces/cite/styles/moblitystations/mobility_stations_icons.pptx
@@ -3216,7 +3216,7 @@
             <a:off x="896926" y="332502"/>
             <a:ext cx="288000" cy="282434"/>
             <a:chOff x="2779828" y="426809"/>
-            <a:chExt cx="1992429" cy="1953928"/>
+            <a:chExt cx="1992428" cy="1953927"/>
           </a:xfrm>
         </p:grpSpPr>
         <p:sp>
@@ -3228,7 +3228,7 @@
           <p:spPr>
             <a:xfrm>
               <a:off x="2779828" y="426809"/>
-              <a:ext cx="1992429" cy="1953928"/>
+              <a:ext cx="1992428" cy="1953927"/>
             </a:xfrm>
             <a:prstGeom prst="ellipse">
               <a:avLst/>
@@ -3275,8 +3275,8 @@
           </p:nvSpPr>
           <p:spPr>
             <a:xfrm>
-              <a:off x="3236042" y="863773"/>
-              <a:ext cx="1080000" cy="1080000"/>
+              <a:off x="3236039" y="863775"/>
+              <a:ext cx="1080000" cy="1080003"/>
             </a:xfrm>
             <a:prstGeom prst="rect">
               <a:avLst/>
@@ -4220,6 +4220,769 @@
           </p:cxnSp>
         </p:grpSp>
       </p:grpSp>
+      <p:sp>
+        <p:nvSpPr>
+          <p:cNvPr id="44" name="Rechteck 43"/>
+          <p:cNvSpPr/>
+          <p:nvPr/>
+        </p:nvSpPr>
+        <p:spPr>
+          <a:xfrm>
+            <a:off x="961598" y="1097785"/>
+            <a:ext cx="156111" cy="156111"/>
+          </a:xfrm>
+          <a:prstGeom prst="rect">
+            <a:avLst/>
+          </a:prstGeom>
+          <a:solidFill>
+            <a:srgbClr val="F8A825"/>
+          </a:solidFill>
+          <a:ln>
+            <a:noFill/>
+          </a:ln>
+        </p:spPr>
+        <p:style>
+          <a:lnRef idx="2">
+            <a:schemeClr val="accent1">
+              <a:shade val="50000"/>
+            </a:schemeClr>
+          </a:lnRef>
+          <a:fillRef idx="1">
+            <a:schemeClr val="accent1"/>
+          </a:fillRef>
+          <a:effectRef idx="0">
+            <a:schemeClr val="accent1"/>
+          </a:effectRef>
+          <a:fontRef idx="minor">
+            <a:schemeClr val="lt1"/>
+          </a:fontRef>
+        </p:style>
+        <p:txBody>
+          <a:bodyPr rtlCol="0" anchor="ctr"/>
+          <a:lstStyle/>
+          <a:p>
+            <a:pPr algn="ctr"/>
+            <a:endParaRPr lang="en-US"/>
+          </a:p>
+        </p:txBody>
+      </p:sp>
+      <p:cxnSp>
+        <p:nvCxnSpPr>
+          <p:cNvPr id="53" name="Gerader Verbinder 33"/>
+          <p:cNvCxnSpPr/>
+          <p:nvPr/>
+        </p:nvCxnSpPr>
+        <p:spPr>
+          <a:xfrm>
+            <a:off x="2100105" y="1096740"/>
+            <a:ext cx="0" cy="156111"/>
+          </a:xfrm>
+          <a:prstGeom prst="straightConnector1">
+            <a:avLst/>
+          </a:prstGeom>
+          <a:ln w="6350">
+            <a:solidFill>
+              <a:srgbClr val="7A59BD"/>
+            </a:solidFill>
+          </a:ln>
+        </p:spPr>
+        <p:style>
+          <a:lnRef idx="1">
+            <a:schemeClr val="accent1"/>
+          </a:lnRef>
+          <a:fillRef idx="0">
+            <a:schemeClr val="accent1"/>
+          </a:fillRef>
+          <a:effectRef idx="0">
+            <a:schemeClr val="accent1"/>
+          </a:effectRef>
+          <a:fontRef idx="minor">
+            <a:schemeClr val="tx1"/>
+          </a:fontRef>
+        </p:style>
+      </p:cxnSp>
+      <p:cxnSp>
+        <p:nvCxnSpPr>
+          <p:cNvPr id="54" name="Gerader Verbinder 33"/>
+          <p:cNvCxnSpPr/>
+          <p:nvPr/>
+        </p:nvCxnSpPr>
+        <p:spPr>
+          <a:xfrm flipV="1">
+            <a:off x="2079187" y="1249972"/>
+            <a:ext cx="22983" cy="0"/>
+          </a:xfrm>
+          <a:prstGeom prst="straightConnector1">
+            <a:avLst/>
+          </a:prstGeom>
+          <a:ln w="6350">
+            <a:solidFill>
+              <a:srgbClr val="7A59BD"/>
+            </a:solidFill>
+          </a:ln>
+        </p:spPr>
+        <p:style>
+          <a:lnRef idx="1">
+            <a:schemeClr val="accent1"/>
+          </a:lnRef>
+          <a:fillRef idx="0">
+            <a:schemeClr val="accent1"/>
+          </a:fillRef>
+          <a:effectRef idx="0">
+            <a:schemeClr val="accent1"/>
+          </a:effectRef>
+          <a:fontRef idx="minor">
+            <a:schemeClr val="tx1"/>
+          </a:fontRef>
+        </p:style>
+      </p:cxnSp>
+      <p:cxnSp>
+        <p:nvCxnSpPr>
+          <p:cNvPr id="55" name="Gerader Verbinder 33"/>
+          <p:cNvCxnSpPr/>
+          <p:nvPr/>
+        </p:nvCxnSpPr>
+        <p:spPr>
+          <a:xfrm flipV="1">
+            <a:off x="2079187" y="1099161"/>
+            <a:ext cx="22983" cy="0"/>
+          </a:xfrm>
+          <a:prstGeom prst="straightConnector1">
+            <a:avLst/>
+          </a:prstGeom>
+          <a:ln w="6350">
+            <a:solidFill>
+              <a:srgbClr val="7A59BD"/>
+            </a:solidFill>
+          </a:ln>
+        </p:spPr>
+        <p:style>
+          <a:lnRef idx="1">
+            <a:schemeClr val="accent1"/>
+          </a:lnRef>
+          <a:fillRef idx="0">
+            <a:schemeClr val="accent1"/>
+          </a:fillRef>
+          <a:effectRef idx="0">
+            <a:schemeClr val="accent1"/>
+          </a:effectRef>
+          <a:fontRef idx="minor">
+            <a:schemeClr val="tx1"/>
+          </a:fontRef>
+        </p:style>
+      </p:cxnSp>
+      <p:grpSp>
+        <p:nvGrpSpPr>
+          <p:cNvPr id="56" name="Gruppieren 55"/>
+          <p:cNvGrpSpPr/>
+          <p:nvPr/>
+        </p:nvGrpSpPr>
+        <p:grpSpPr>
+          <a:xfrm flipH="1">
+            <a:off x="1889655" y="1096740"/>
+            <a:ext cx="22984" cy="156111"/>
+            <a:chOff x="5228271" y="2910967"/>
+            <a:chExt cx="159004" cy="1080000"/>
+          </a:xfrm>
+        </p:grpSpPr>
+        <p:cxnSp>
+          <p:nvCxnSpPr>
+            <p:cNvPr id="57" name="Gerader Verbinder 33"/>
+            <p:cNvCxnSpPr/>
+            <p:nvPr/>
+          </p:nvCxnSpPr>
+          <p:spPr>
+            <a:xfrm>
+              <a:off x="5372988" y="2910967"/>
+              <a:ext cx="0" cy="1080000"/>
+            </a:xfrm>
+            <a:prstGeom prst="straightConnector1">
+              <a:avLst/>
+            </a:prstGeom>
+            <a:ln w="6350">
+              <a:solidFill>
+                <a:srgbClr val="7A59BD"/>
+              </a:solidFill>
+            </a:ln>
+          </p:spPr>
+          <p:style>
+            <a:lnRef idx="1">
+              <a:schemeClr val="accent1"/>
+            </a:lnRef>
+            <a:fillRef idx="0">
+              <a:schemeClr val="accent1"/>
+            </a:fillRef>
+            <a:effectRef idx="0">
+              <a:schemeClr val="accent1"/>
+            </a:effectRef>
+            <a:fontRef idx="minor">
+              <a:schemeClr val="tx1"/>
+            </a:fontRef>
+          </p:style>
+        </p:cxnSp>
+        <p:cxnSp>
+          <p:nvCxnSpPr>
+            <p:cNvPr id="58" name="Gerader Verbinder 33"/>
+            <p:cNvCxnSpPr/>
+            <p:nvPr/>
+          </p:nvCxnSpPr>
+          <p:spPr>
+            <a:xfrm flipV="1">
+              <a:off x="5228272" y="3971048"/>
+              <a:ext cx="159003" cy="0"/>
+            </a:xfrm>
+            <a:prstGeom prst="straightConnector1">
+              <a:avLst/>
+            </a:prstGeom>
+            <a:ln w="6350">
+              <a:solidFill>
+                <a:srgbClr val="7A59BD"/>
+              </a:solidFill>
+            </a:ln>
+          </p:spPr>
+          <p:style>
+            <a:lnRef idx="1">
+              <a:schemeClr val="accent1"/>
+            </a:lnRef>
+            <a:fillRef idx="0">
+              <a:schemeClr val="accent1"/>
+            </a:fillRef>
+            <a:effectRef idx="0">
+              <a:schemeClr val="accent1"/>
+            </a:effectRef>
+            <a:fontRef idx="minor">
+              <a:schemeClr val="tx1"/>
+            </a:fontRef>
+          </p:style>
+        </p:cxnSp>
+        <p:cxnSp>
+          <p:nvCxnSpPr>
+            <p:cNvPr id="59" name="Gerader Verbinder 33"/>
+            <p:cNvCxnSpPr/>
+            <p:nvPr/>
+          </p:nvCxnSpPr>
+          <p:spPr>
+            <a:xfrm flipV="1">
+              <a:off x="5228271" y="2927712"/>
+              <a:ext cx="159003" cy="0"/>
+            </a:xfrm>
+            <a:prstGeom prst="straightConnector1">
+              <a:avLst/>
+            </a:prstGeom>
+            <a:ln w="6350">
+              <a:solidFill>
+                <a:srgbClr val="7A59BD"/>
+              </a:solidFill>
+            </a:ln>
+          </p:spPr>
+          <p:style>
+            <a:lnRef idx="1">
+              <a:schemeClr val="accent1"/>
+            </a:lnRef>
+            <a:fillRef idx="0">
+              <a:schemeClr val="accent1"/>
+            </a:fillRef>
+            <a:effectRef idx="0">
+              <a:schemeClr val="accent1"/>
+            </a:effectRef>
+            <a:fontRef idx="minor">
+              <a:schemeClr val="tx1"/>
+            </a:fontRef>
+          </p:style>
+        </p:cxnSp>
+      </p:grpSp>
+      <p:sp>
+        <p:nvSpPr>
+          <p:cNvPr id="60" name="Rechteck 59"/>
+          <p:cNvSpPr/>
+          <p:nvPr/>
+        </p:nvSpPr>
+        <p:spPr>
+          <a:xfrm>
+            <a:off x="2417236" y="1108549"/>
+            <a:ext cx="156111" cy="156111"/>
+          </a:xfrm>
+          <a:prstGeom prst="rect">
+            <a:avLst/>
+          </a:prstGeom>
+          <a:solidFill>
+            <a:srgbClr val="727272"/>
+          </a:solidFill>
+          <a:ln>
+            <a:noFill/>
+          </a:ln>
+        </p:spPr>
+        <p:style>
+          <a:lnRef idx="2">
+            <a:schemeClr val="accent1">
+              <a:shade val="50000"/>
+            </a:schemeClr>
+          </a:lnRef>
+          <a:fillRef idx="1">
+            <a:schemeClr val="accent1"/>
+          </a:fillRef>
+          <a:effectRef idx="0">
+            <a:schemeClr val="accent1"/>
+          </a:effectRef>
+          <a:fontRef idx="minor">
+            <a:schemeClr val="lt1"/>
+          </a:fontRef>
+        </p:style>
+        <p:txBody>
+          <a:bodyPr rtlCol="0" anchor="ctr"/>
+          <a:lstStyle/>
+          <a:p>
+            <a:pPr algn="ctr"/>
+            <a:endParaRPr lang="en-US"/>
+          </a:p>
+        </p:txBody>
+      </p:sp>
+      <p:sp>
+        <p:nvSpPr>
+          <p:cNvPr id="63" name="Rechteck 62"/>
+          <p:cNvSpPr/>
+          <p:nvPr/>
+        </p:nvSpPr>
+        <p:spPr>
+          <a:xfrm rot="2750554">
+            <a:off x="2901547" y="1108548"/>
+            <a:ext cx="156111" cy="156111"/>
+          </a:xfrm>
+          <a:prstGeom prst="rect">
+            <a:avLst/>
+          </a:prstGeom>
+          <a:solidFill>
+            <a:srgbClr val="A82515"/>
+          </a:solidFill>
+          <a:ln>
+            <a:noFill/>
+          </a:ln>
+        </p:spPr>
+        <p:style>
+          <a:lnRef idx="2">
+            <a:schemeClr val="accent1">
+              <a:shade val="50000"/>
+            </a:schemeClr>
+          </a:lnRef>
+          <a:fillRef idx="1">
+            <a:schemeClr val="accent1"/>
+          </a:fillRef>
+          <a:effectRef idx="0">
+            <a:schemeClr val="accent1"/>
+          </a:effectRef>
+          <a:fontRef idx="minor">
+            <a:schemeClr val="lt1"/>
+          </a:fontRef>
+        </p:style>
+        <p:txBody>
+          <a:bodyPr rtlCol="0" anchor="ctr"/>
+          <a:lstStyle/>
+          <a:p>
+            <a:pPr algn="ctr"/>
+            <a:endParaRPr lang="en-US"/>
+          </a:p>
+        </p:txBody>
+      </p:sp>
+      <p:grpSp>
+        <p:nvGrpSpPr>
+          <p:cNvPr id="64" name="Gruppieren 63"/>
+          <p:cNvGrpSpPr>
+            <a:grpSpLocks noChangeAspect="1"/>
+          </p:cNvGrpSpPr>
+          <p:nvPr/>
+        </p:nvGrpSpPr>
+        <p:grpSpPr>
+          <a:xfrm>
+            <a:off x="1388619" y="1074867"/>
+            <a:ext cx="143424" cy="222111"/>
+            <a:chOff x="5416803" y="614936"/>
+            <a:chExt cx="1080094" cy="1672667"/>
+          </a:xfrm>
+        </p:grpSpPr>
+        <p:sp>
+          <p:nvSpPr>
+            <p:cNvPr id="65" name="Ellipse 28"/>
+            <p:cNvSpPr/>
+            <p:nvPr/>
+          </p:nvSpPr>
+          <p:spPr>
+            <a:xfrm>
+              <a:off x="5416803" y="614936"/>
+              <a:ext cx="1080094" cy="1672667"/>
+            </a:xfrm>
+            <a:custGeom>
+              <a:avLst/>
+              <a:gdLst>
+                <a:gd name="connsiteX0" fmla="*/ 0 w 1080000"/>
+                <a:gd name="connsiteY0" fmla="*/ 540000 h 1080000"/>
+                <a:gd name="connsiteX1" fmla="*/ 540000 w 1080000"/>
+                <a:gd name="connsiteY1" fmla="*/ 0 h 1080000"/>
+                <a:gd name="connsiteX2" fmla="*/ 1080000 w 1080000"/>
+                <a:gd name="connsiteY2" fmla="*/ 540000 h 1080000"/>
+                <a:gd name="connsiteX3" fmla="*/ 540000 w 1080000"/>
+                <a:gd name="connsiteY3" fmla="*/ 1080000 h 1080000"/>
+                <a:gd name="connsiteX4" fmla="*/ 0 w 1080000"/>
+                <a:gd name="connsiteY4" fmla="*/ 540000 h 1080000"/>
+                <a:gd name="connsiteX0" fmla="*/ 94 w 1080094"/>
+                <a:gd name="connsiteY0" fmla="*/ 540000 h 1672667"/>
+                <a:gd name="connsiteX1" fmla="*/ 540094 w 1080094"/>
+                <a:gd name="connsiteY1" fmla="*/ 0 h 1672667"/>
+                <a:gd name="connsiteX2" fmla="*/ 1080094 w 1080094"/>
+                <a:gd name="connsiteY2" fmla="*/ 540000 h 1672667"/>
+                <a:gd name="connsiteX3" fmla="*/ 573960 w 1080094"/>
+                <a:gd name="connsiteY3" fmla="*/ 1672667 h 1672667"/>
+                <a:gd name="connsiteX4" fmla="*/ 94 w 1080094"/>
+                <a:gd name="connsiteY4" fmla="*/ 540000 h 1672667"/>
+                <a:gd name="connsiteX0" fmla="*/ 94 w 1080094"/>
+                <a:gd name="connsiteY0" fmla="*/ 540000 h 1672667"/>
+                <a:gd name="connsiteX1" fmla="*/ 540094 w 1080094"/>
+                <a:gd name="connsiteY1" fmla="*/ 0 h 1672667"/>
+                <a:gd name="connsiteX2" fmla="*/ 1080094 w 1080094"/>
+                <a:gd name="connsiteY2" fmla="*/ 540000 h 1672667"/>
+                <a:gd name="connsiteX3" fmla="*/ 573960 w 1080094"/>
+                <a:gd name="connsiteY3" fmla="*/ 1672667 h 1672667"/>
+                <a:gd name="connsiteX4" fmla="*/ 94 w 1080094"/>
+                <a:gd name="connsiteY4" fmla="*/ 540000 h 1672667"/>
+              </a:gdLst>
+              <a:ahLst/>
+              <a:cxnLst>
+                <a:cxn ang="0">
+                  <a:pos x="connsiteX0" y="connsiteY0"/>
+                </a:cxn>
+                <a:cxn ang="0">
+                  <a:pos x="connsiteX1" y="connsiteY1"/>
+                </a:cxn>
+                <a:cxn ang="0">
+                  <a:pos x="connsiteX2" y="connsiteY2"/>
+                </a:cxn>
+                <a:cxn ang="0">
+                  <a:pos x="connsiteX3" y="connsiteY3"/>
+                </a:cxn>
+                <a:cxn ang="0">
+                  <a:pos x="connsiteX4" y="connsiteY4"/>
+                </a:cxn>
+              </a:cxnLst>
+              <a:rect l="l" t="t" r="r" b="b"/>
+              <a:pathLst>
+                <a:path w="1080094" h="1672667">
+                  <a:moveTo>
+                    <a:pt x="94" y="540000"/>
+                  </a:moveTo>
+                  <a:cubicBezTo>
+                    <a:pt x="-5550" y="261222"/>
+                    <a:pt x="241860" y="0"/>
+                    <a:pt x="540094" y="0"/>
+                  </a:cubicBezTo>
+                  <a:cubicBezTo>
+                    <a:pt x="838328" y="0"/>
+                    <a:pt x="1080094" y="241766"/>
+                    <a:pt x="1080094" y="540000"/>
+                  </a:cubicBezTo>
+                  <a:cubicBezTo>
+                    <a:pt x="1080094" y="838234"/>
+                    <a:pt x="567394" y="1672667"/>
+                    <a:pt x="573960" y="1672667"/>
+                  </a:cubicBezTo>
+                  <a:cubicBezTo>
+                    <a:pt x="580526" y="1672667"/>
+                    <a:pt x="5738" y="818778"/>
+                    <a:pt x="94" y="540000"/>
+                  </a:cubicBezTo>
+                  <a:close/>
+                </a:path>
+              </a:pathLst>
+            </a:custGeom>
+            <a:solidFill>
+              <a:srgbClr val="E65000"/>
+            </a:solidFill>
+            <a:ln>
+              <a:solidFill>
+                <a:schemeClr val="bg1"/>
+              </a:solidFill>
+            </a:ln>
+          </p:spPr>
+          <p:style>
+            <a:lnRef idx="2">
+              <a:schemeClr val="accent1">
+                <a:shade val="50000"/>
+              </a:schemeClr>
+            </a:lnRef>
+            <a:fillRef idx="1">
+              <a:schemeClr val="accent1"/>
+            </a:fillRef>
+            <a:effectRef idx="0">
+              <a:schemeClr val="accent1"/>
+            </a:effectRef>
+            <a:fontRef idx="minor">
+              <a:schemeClr val="lt1"/>
+            </a:fontRef>
+          </p:style>
+          <p:txBody>
+            <a:bodyPr rtlCol="0" anchor="ctr"/>
+            <a:lstStyle/>
+            <a:p>
+              <a:pPr algn="ctr"/>
+              <a:endParaRPr lang="en-US"/>
+            </a:p>
+          </p:txBody>
+        </p:sp>
+        <p:sp>
+          <p:nvSpPr>
+            <p:cNvPr id="66" name="Ellipse 65"/>
+            <p:cNvSpPr/>
+            <p:nvPr/>
+          </p:nvSpPr>
+          <p:spPr>
+            <a:xfrm>
+              <a:off x="5686850" y="911269"/>
+              <a:ext cx="540000" cy="540000"/>
+            </a:xfrm>
+            <a:prstGeom prst="ellipse">
+              <a:avLst/>
+            </a:prstGeom>
+            <a:solidFill>
+              <a:schemeClr val="bg1"/>
+            </a:solidFill>
+            <a:ln>
+              <a:noFill/>
+            </a:ln>
+          </p:spPr>
+          <p:style>
+            <a:lnRef idx="2">
+              <a:schemeClr val="accent1">
+                <a:shade val="50000"/>
+              </a:schemeClr>
+            </a:lnRef>
+            <a:fillRef idx="1">
+              <a:schemeClr val="accent1"/>
+            </a:fillRef>
+            <a:effectRef idx="0">
+              <a:schemeClr val="accent1"/>
+            </a:effectRef>
+            <a:fontRef idx="minor">
+              <a:schemeClr val="lt1"/>
+            </a:fontRef>
+          </p:style>
+          <p:txBody>
+            <a:bodyPr rtlCol="0" anchor="ctr"/>
+            <a:lstStyle/>
+            <a:p>
+              <a:pPr algn="ctr"/>
+              <a:endParaRPr lang="en-US"/>
+            </a:p>
+          </p:txBody>
+        </p:sp>
+      </p:grpSp>
+      <p:pic>
+        <p:nvPicPr>
+          <p:cNvPr id="3" name="Grafik 2"/>
+          <p:cNvPicPr>
+            <a:picLocks noChangeAspect="1"/>
+          </p:cNvPicPr>
+          <p:nvPr/>
+        </p:nvPicPr>
+        <p:blipFill>
+          <a:blip r:embed="rId7" cstate="print">
+            <a:extLst>
+              <a:ext uri="{28A0092B-C50C-407E-A947-70E740481C1C}">
+                <a14:useLocalDpi xmlns:a14="http://schemas.microsoft.com/office/drawing/2010/main" val="0"/>
+              </a:ext>
+            </a:extLst>
+          </a:blip>
+          <a:stretch>
+            <a:fillRect/>
+          </a:stretch>
+        </p:blipFill>
+        <p:spPr>
+          <a:xfrm>
+            <a:off x="485651" y="1082585"/>
+            <a:ext cx="126000" cy="107100"/>
+          </a:xfrm>
+          <a:prstGeom prst="rect">
+            <a:avLst/>
+          </a:prstGeom>
+        </p:spPr>
+      </p:pic>
+      <p:pic>
+        <p:nvPicPr>
+          <p:cNvPr id="16" name="Grafik 15"/>
+          <p:cNvPicPr>
+            <a:picLocks noChangeAspect="1"/>
+          </p:cNvPicPr>
+          <p:nvPr/>
+        </p:nvPicPr>
+        <p:blipFill>
+          <a:blip r:embed="rId8">
+            <a:extLst>
+              <a:ext uri="{28A0092B-C50C-407E-A947-70E740481C1C}">
+                <a14:useLocalDpi xmlns:a14="http://schemas.microsoft.com/office/drawing/2010/main" val="0"/>
+              </a:ext>
+            </a:extLst>
+          </a:blip>
+          <a:stretch>
+            <a:fillRect/>
+          </a:stretch>
+        </p:blipFill>
+        <p:spPr>
+          <a:xfrm>
+            <a:off x="1911186" y="1113824"/>
+            <a:ext cx="165584" cy="126623"/>
+          </a:xfrm>
+          <a:prstGeom prst="rect">
+            <a:avLst/>
+          </a:prstGeom>
+        </p:spPr>
+      </p:pic>
+      <p:pic>
+        <p:nvPicPr>
+          <p:cNvPr id="28" name="Grafik 27"/>
+          <p:cNvPicPr>
+            <a:picLocks noChangeAspect="1"/>
+          </p:cNvPicPr>
+          <p:nvPr/>
+        </p:nvPicPr>
+        <p:blipFill>
+          <a:blip r:embed="rId9">
+            <a:extLst>
+              <a:ext uri="{28A0092B-C50C-407E-A947-70E740481C1C}">
+                <a14:useLocalDpi xmlns:a14="http://schemas.microsoft.com/office/drawing/2010/main" val="0"/>
+              </a:ext>
+            </a:extLst>
+          </a:blip>
+          <a:stretch>
+            <a:fillRect/>
+          </a:stretch>
+        </p:blipFill>
+        <p:spPr>
+          <a:xfrm>
+            <a:off x="-43569" y="549025"/>
+            <a:ext cx="406349" cy="469841"/>
+          </a:xfrm>
+          <a:prstGeom prst="rect">
+            <a:avLst/>
+          </a:prstGeom>
+        </p:spPr>
+      </p:pic>
+      <p:pic>
+        <p:nvPicPr>
+          <p:cNvPr id="69" name="Grafik 68"/>
+          <p:cNvPicPr>
+            <a:picLocks noChangeAspect="1"/>
+          </p:cNvPicPr>
+          <p:nvPr/>
+        </p:nvPicPr>
+        <p:blipFill>
+          <a:blip r:embed="rId5" cstate="print">
+            <a:extLst>
+              <a:ext uri="{28A0092B-C50C-407E-A947-70E740481C1C}">
+                <a14:useLocalDpi xmlns:a14="http://schemas.microsoft.com/office/drawing/2010/main" val="0"/>
+              </a:ext>
+            </a:extLst>
+          </a:blip>
+          <a:stretch>
+            <a:fillRect/>
+          </a:stretch>
+        </p:blipFill>
+        <p:spPr>
+          <a:xfrm>
+            <a:off x="3398555" y="1093318"/>
+            <a:ext cx="156111" cy="187333"/>
+          </a:xfrm>
+          <a:prstGeom prst="rect">
+            <a:avLst/>
+          </a:prstGeom>
+        </p:spPr>
+      </p:pic>
+      <p:pic>
+        <p:nvPicPr>
+          <p:cNvPr id="33" name="Grafik 32"/>
+          <p:cNvPicPr>
+            <a:picLocks noChangeAspect="1"/>
+          </p:cNvPicPr>
+          <p:nvPr/>
+        </p:nvPicPr>
+        <p:blipFill>
+          <a:blip r:embed="rId10">
+            <a:extLst>
+              <a:ext uri="{28A0092B-C50C-407E-A947-70E740481C1C}">
+                <a14:useLocalDpi xmlns:a14="http://schemas.microsoft.com/office/drawing/2010/main" val="0"/>
+              </a:ext>
+            </a:extLst>
+          </a:blip>
+          <a:stretch>
+            <a:fillRect/>
+          </a:stretch>
+        </p:blipFill>
+        <p:spPr>
+          <a:xfrm>
+            <a:off x="3391976" y="1082381"/>
+            <a:ext cx="171582" cy="207082"/>
+          </a:xfrm>
+          <a:prstGeom prst="rect">
+            <a:avLst/>
+          </a:prstGeom>
+        </p:spPr>
+      </p:pic>
+      <p:pic>
+        <p:nvPicPr>
+          <p:cNvPr id="34" name="Grafik 33"/>
+          <p:cNvPicPr>
+            <a:picLocks noChangeAspect="1"/>
+          </p:cNvPicPr>
+          <p:nvPr/>
+        </p:nvPicPr>
+        <p:blipFill>
+          <a:blip r:embed="rId11">
+            <a:extLst>
+              <a:ext uri="{28A0092B-C50C-407E-A947-70E740481C1C}">
+                <a14:useLocalDpi xmlns:a14="http://schemas.microsoft.com/office/drawing/2010/main" val="0"/>
+              </a:ext>
+            </a:extLst>
+          </a:blip>
+          <a:stretch>
+            <a:fillRect/>
+          </a:stretch>
+        </p:blipFill>
+        <p:spPr>
+          <a:xfrm flipH="1">
+            <a:off x="3865556" y="1089765"/>
+            <a:ext cx="190886" cy="190886"/>
+          </a:xfrm>
+          <a:prstGeom prst="rect">
+            <a:avLst/>
+          </a:prstGeom>
+        </p:spPr>
+      </p:pic>
+      <p:pic>
+        <p:nvPicPr>
+          <p:cNvPr id="35" name="Grafik 34"/>
+          <p:cNvPicPr>
+            <a:picLocks noChangeAspect="1"/>
+          </p:cNvPicPr>
+          <p:nvPr/>
+        </p:nvPicPr>
+        <p:blipFill>
+          <a:blip r:embed="rId12">
+            <a:extLst>
+              <a:ext uri="{28A0092B-C50C-407E-A947-70E740481C1C}">
+                <a14:useLocalDpi xmlns:a14="http://schemas.microsoft.com/office/drawing/2010/main" val="0"/>
+              </a:ext>
+            </a:extLst>
+          </a:blip>
+          <a:stretch>
+            <a:fillRect/>
+          </a:stretch>
+        </p:blipFill>
+        <p:spPr>
+          <a:xfrm>
+            <a:off x="4307005" y="1072225"/>
+            <a:ext cx="172696" cy="208426"/>
+          </a:xfrm>
+          <a:prstGeom prst="rect">
+            <a:avLst/>
+          </a:prstGeom>
+        </p:spPr>
+      </p:pic>
     </p:spTree>
     <p:extLst>
       <p:ext uri="{BB962C8B-B14F-4D97-AF65-F5344CB8AC3E}">
